--- a/Resources/NESDinoGame.pptx
+++ b/Resources/NESDinoGame.pptx
@@ -123,6 +123,11 @@
       </a:defRPr>
     </a:lvl9pPr>
   </p:defaultTextStyle>
+  <p:extLst>
+    <p:ext uri="{EFAFB233-063F-42B5-8137-9DF3F51BA10A}">
+      <p15:sldGuideLst xmlns:p15="http://schemas.microsoft.com/office/powerpoint/2012/main"/>
+    </p:ext>
+  </p:extLst>
 </p:presentation>
 </file>
 
@@ -1399,10 +1404,6 @@
           <a:bodyPr/>
           <a:lstStyle/>
           <a:p>
-            <a:r>
-              <a:rPr lang="en-GB" dirty="0"/>
-              <a:t>No clue</a:t>
-            </a:r>
             <a:endParaRPr lang="nl-BE" dirty="0"/>
           </a:p>
         </p:txBody>
@@ -9676,7 +9677,7 @@
               <a:rPr lang="en-GB" dirty="0">
                 <a:latin typeface="Abadi" panose="020B0604020104020204" pitchFamily="34" charset="0"/>
               </a:rPr>
-              <a:t>Random Obstacle</a:t>
+              <a:t>Random Background</a:t>
             </a:r>
             <a:endParaRPr lang="nl-BE" dirty="0">
               <a:latin typeface="Abadi" panose="020B0604020104020204" pitchFamily="34" charset="0"/>
@@ -9701,7 +9702,7 @@
         <p:spPr>
           <a:xfrm>
             <a:off x="2671272" y="1866899"/>
-            <a:ext cx="10018713" cy="3124201"/>
+            <a:ext cx="3543261" cy="4305301"/>
           </a:xfrm>
           <a:prstGeom prst="rect">
             <a:avLst/>
@@ -9943,7 +9944,358 @@
               <a:rPr lang="en-GB" dirty="0">
                 <a:latin typeface="Abadi" panose="020B0604020104020204" pitchFamily="34" charset="0"/>
               </a:rPr>
-              <a:t>HADES (How did you use the random to choose backgrounds?)</a:t>
+              <a:t>Whenever the previous </a:t>
+            </a:r>
+            <a:r>
+              <a:rPr lang="en-GB" dirty="0" err="1">
+                <a:latin typeface="Abadi" panose="020B0604020104020204" pitchFamily="34" charset="0"/>
+              </a:rPr>
+              <a:t>nametable</a:t>
+            </a:r>
+            <a:r>
+              <a:rPr lang="en-GB" dirty="0">
+                <a:latin typeface="Abadi" panose="020B0604020104020204" pitchFamily="34" charset="0"/>
+              </a:rPr>
+              <a:t> scrolls fully out of view, the code loops over the horizon and dirt parts of the </a:t>
+            </a:r>
+            <a:r>
+              <a:rPr lang="en-GB" dirty="0" err="1">
+                <a:latin typeface="Abadi" panose="020B0604020104020204" pitchFamily="34" charset="0"/>
+              </a:rPr>
+              <a:t>nametable</a:t>
+            </a:r>
+            <a:r>
+              <a:rPr lang="en-GB" dirty="0">
+                <a:latin typeface="Abadi" panose="020B0604020104020204" pitchFamily="34" charset="0"/>
+              </a:rPr>
+              <a:t>, using random numbers to decide which tile index to put in them</a:t>
+            </a:r>
+          </a:p>
+        </p:txBody>
+      </p:sp>
+      <p:pic>
+        <p:nvPicPr>
+          <p:cNvPr id="5" name="Picture 4">
+            <a:extLst>
+              <a:ext uri="{FF2B5EF4-FFF2-40B4-BE49-F238E27FC236}">
+                <a16:creationId xmlns:a16="http://schemas.microsoft.com/office/drawing/2014/main" id="{FBC7DEA6-944E-CDB5-32C6-0D85FC6FF04B}"/>
+              </a:ext>
+            </a:extLst>
+          </p:cNvPr>
+          <p:cNvPicPr>
+            <a:picLocks noChangeAspect="1"/>
+          </p:cNvPicPr>
+          <p:nvPr/>
+        </p:nvPicPr>
+        <p:blipFill>
+          <a:blip r:embed="rId3"/>
+          <a:stretch>
+            <a:fillRect/>
+          </a:stretch>
+        </p:blipFill>
+        <p:spPr>
+          <a:xfrm>
+            <a:off x="6557554" y="1947454"/>
+            <a:ext cx="2823488" cy="4715691"/>
+          </a:xfrm>
+          <a:prstGeom prst="rect">
+            <a:avLst/>
+          </a:prstGeom>
+        </p:spPr>
+      </p:pic>
+      <p:pic>
+        <p:nvPicPr>
+          <p:cNvPr id="7" name="Picture 6">
+            <a:extLst>
+              <a:ext uri="{FF2B5EF4-FFF2-40B4-BE49-F238E27FC236}">
+                <a16:creationId xmlns:a16="http://schemas.microsoft.com/office/drawing/2014/main" id="{1E105342-AA44-BB36-5C76-92F884C152A1}"/>
+              </a:ext>
+            </a:extLst>
+          </p:cNvPr>
+          <p:cNvPicPr>
+            <a:picLocks noChangeAspect="1"/>
+          </p:cNvPicPr>
+          <p:nvPr/>
+        </p:nvPicPr>
+        <p:blipFill>
+          <a:blip r:embed="rId4"/>
+          <a:stretch>
+            <a:fillRect/>
+          </a:stretch>
+        </p:blipFill>
+        <p:spPr>
+          <a:xfrm>
+            <a:off x="9552386" y="1947454"/>
+            <a:ext cx="2639614" cy="3629469"/>
+          </a:xfrm>
+          <a:prstGeom prst="rect">
+            <a:avLst/>
+          </a:prstGeom>
+        </p:spPr>
+      </p:pic>
+      <p:sp>
+        <p:nvSpPr>
+          <p:cNvPr id="10" name="Content Placeholder 2">
+            <a:extLst>
+              <a:ext uri="{FF2B5EF4-FFF2-40B4-BE49-F238E27FC236}">
+                <a16:creationId xmlns:a16="http://schemas.microsoft.com/office/drawing/2014/main" id="{1C886BB6-4873-4952-D591-D37CA267200F}"/>
+              </a:ext>
+            </a:extLst>
+          </p:cNvPr>
+          <p:cNvSpPr txBox="1">
+            <a:spLocks/>
+          </p:cNvSpPr>
+          <p:nvPr/>
+        </p:nvSpPr>
+        <p:spPr>
+          <a:xfrm>
+            <a:off x="9731393" y="5861957"/>
+            <a:ext cx="3543261" cy="620485"/>
+          </a:xfrm>
+          <a:prstGeom prst="rect">
+            <a:avLst/>
+          </a:prstGeom>
+        </p:spPr>
+        <p:txBody>
+          <a:bodyPr vert="horz" lIns="91440" tIns="45720" rIns="91440" bIns="45720" rtlCol="0" anchor="ctr">
+            <a:normAutofit/>
+          </a:bodyPr>
+          <a:lstStyle>
+            <a:lvl1pPr marL="285750" indent="-285750" algn="l" defTabSz="457200" rtl="0" eaLnBrk="1" latinLnBrk="0" hangingPunct="1">
+              <a:spcBef>
+                <a:spcPct val="20000"/>
+              </a:spcBef>
+              <a:spcAft>
+                <a:spcPts val="600"/>
+              </a:spcAft>
+              <a:buClr>
+                <a:schemeClr val="accent1">
+                  <a:lumMod val="75000"/>
+                </a:schemeClr>
+              </a:buClr>
+              <a:buSzPct val="145000"/>
+              <a:buFont typeface="Arial"/>
+              <a:buChar char="•"/>
+              <a:defRPr sz="2400" kern="1200" cap="none">
+                <a:solidFill>
+                  <a:schemeClr val="tx1"/>
+                </a:solidFill>
+                <a:effectLst/>
+                <a:latin typeface="+mn-lt"/>
+                <a:ea typeface="+mn-ea"/>
+                <a:cs typeface="+mn-cs"/>
+              </a:defRPr>
+            </a:lvl1pPr>
+            <a:lvl2pPr marL="742950" indent="-285750" algn="l" defTabSz="457200" rtl="0" eaLnBrk="1" latinLnBrk="0" hangingPunct="1">
+              <a:spcBef>
+                <a:spcPct val="20000"/>
+              </a:spcBef>
+              <a:spcAft>
+                <a:spcPts val="600"/>
+              </a:spcAft>
+              <a:buClr>
+                <a:schemeClr val="accent1">
+                  <a:lumMod val="75000"/>
+                </a:schemeClr>
+              </a:buClr>
+              <a:buSzPct val="145000"/>
+              <a:buFont typeface="Arial"/>
+              <a:buChar char="•"/>
+              <a:defRPr sz="2000" kern="1200" cap="none">
+                <a:solidFill>
+                  <a:schemeClr val="tx1"/>
+                </a:solidFill>
+                <a:effectLst/>
+                <a:latin typeface="+mn-lt"/>
+                <a:ea typeface="+mn-ea"/>
+                <a:cs typeface="+mn-cs"/>
+              </a:defRPr>
+            </a:lvl2pPr>
+            <a:lvl3pPr marL="1200150" indent="-285750" algn="l" defTabSz="457200" rtl="0" eaLnBrk="1" latinLnBrk="0" hangingPunct="1">
+              <a:spcBef>
+                <a:spcPct val="20000"/>
+              </a:spcBef>
+              <a:spcAft>
+                <a:spcPts val="600"/>
+              </a:spcAft>
+              <a:buClr>
+                <a:schemeClr val="accent1">
+                  <a:lumMod val="75000"/>
+                </a:schemeClr>
+              </a:buClr>
+              <a:buSzPct val="145000"/>
+              <a:buFont typeface="Arial"/>
+              <a:buChar char="•"/>
+              <a:defRPr sz="1800" kern="1200" cap="none">
+                <a:solidFill>
+                  <a:schemeClr val="tx1"/>
+                </a:solidFill>
+                <a:effectLst/>
+                <a:latin typeface="+mn-lt"/>
+                <a:ea typeface="+mn-ea"/>
+                <a:cs typeface="+mn-cs"/>
+              </a:defRPr>
+            </a:lvl3pPr>
+            <a:lvl4pPr marL="1543050" indent="-171450" algn="l" defTabSz="457200" rtl="0" eaLnBrk="1" latinLnBrk="0" hangingPunct="1">
+              <a:spcBef>
+                <a:spcPct val="20000"/>
+              </a:spcBef>
+              <a:spcAft>
+                <a:spcPts val="600"/>
+              </a:spcAft>
+              <a:buClr>
+                <a:schemeClr val="accent1">
+                  <a:lumMod val="75000"/>
+                </a:schemeClr>
+              </a:buClr>
+              <a:buSzPct val="145000"/>
+              <a:buFont typeface="Arial"/>
+              <a:buChar char="•"/>
+              <a:defRPr sz="1600" kern="1200" cap="none">
+                <a:solidFill>
+                  <a:schemeClr val="tx1"/>
+                </a:solidFill>
+                <a:effectLst/>
+                <a:latin typeface="+mn-lt"/>
+                <a:ea typeface="+mn-ea"/>
+                <a:cs typeface="+mn-cs"/>
+              </a:defRPr>
+            </a:lvl4pPr>
+            <a:lvl5pPr marL="2000250" indent="-171450" algn="l" defTabSz="457200" rtl="0" eaLnBrk="1" latinLnBrk="0" hangingPunct="1">
+              <a:spcBef>
+                <a:spcPct val="20000"/>
+              </a:spcBef>
+              <a:spcAft>
+                <a:spcPts val="600"/>
+              </a:spcAft>
+              <a:buClr>
+                <a:schemeClr val="accent1">
+                  <a:lumMod val="75000"/>
+                </a:schemeClr>
+              </a:buClr>
+              <a:buSzPct val="145000"/>
+              <a:buFont typeface="Arial"/>
+              <a:buChar char="•"/>
+              <a:defRPr sz="1400" kern="1200" cap="none">
+                <a:solidFill>
+                  <a:schemeClr val="tx1"/>
+                </a:solidFill>
+                <a:effectLst/>
+                <a:latin typeface="+mn-lt"/>
+                <a:ea typeface="+mn-ea"/>
+                <a:cs typeface="+mn-cs"/>
+              </a:defRPr>
+            </a:lvl5pPr>
+            <a:lvl6pPr marL="2514600" indent="-228600" algn="l" defTabSz="457200" rtl="0" eaLnBrk="1" latinLnBrk="0" hangingPunct="1">
+              <a:spcBef>
+                <a:spcPct val="20000"/>
+              </a:spcBef>
+              <a:spcAft>
+                <a:spcPts val="600"/>
+              </a:spcAft>
+              <a:buClr>
+                <a:schemeClr val="accent1">
+                  <a:lumMod val="75000"/>
+                </a:schemeClr>
+              </a:buClr>
+              <a:buSzPct val="145000"/>
+              <a:buFont typeface="Arial"/>
+              <a:buChar char="•"/>
+              <a:defRPr sz="1400" kern="1200" cap="none">
+                <a:solidFill>
+                  <a:schemeClr val="tx1"/>
+                </a:solidFill>
+                <a:effectLst/>
+                <a:latin typeface="+mn-lt"/>
+                <a:ea typeface="+mn-ea"/>
+                <a:cs typeface="+mn-cs"/>
+              </a:defRPr>
+            </a:lvl6pPr>
+            <a:lvl7pPr marL="2971800" indent="-228600" algn="l" defTabSz="457200" rtl="0" eaLnBrk="1" latinLnBrk="0" hangingPunct="1">
+              <a:spcBef>
+                <a:spcPct val="20000"/>
+              </a:spcBef>
+              <a:spcAft>
+                <a:spcPts val="600"/>
+              </a:spcAft>
+              <a:buClr>
+                <a:schemeClr val="accent1">
+                  <a:lumMod val="75000"/>
+                </a:schemeClr>
+              </a:buClr>
+              <a:buSzPct val="145000"/>
+              <a:buFont typeface="Arial"/>
+              <a:buChar char="•"/>
+              <a:defRPr sz="1400" kern="1200" cap="none">
+                <a:solidFill>
+                  <a:schemeClr val="tx1"/>
+                </a:solidFill>
+                <a:effectLst/>
+                <a:latin typeface="+mn-lt"/>
+                <a:ea typeface="+mn-ea"/>
+                <a:cs typeface="+mn-cs"/>
+              </a:defRPr>
+            </a:lvl7pPr>
+            <a:lvl8pPr marL="3429000" indent="-228600" algn="l" defTabSz="457200" rtl="0" eaLnBrk="1" latinLnBrk="0" hangingPunct="1">
+              <a:spcBef>
+                <a:spcPct val="20000"/>
+              </a:spcBef>
+              <a:spcAft>
+                <a:spcPts val="600"/>
+              </a:spcAft>
+              <a:buClr>
+                <a:schemeClr val="accent1">
+                  <a:lumMod val="75000"/>
+                </a:schemeClr>
+              </a:buClr>
+              <a:buSzPct val="145000"/>
+              <a:buFont typeface="Arial"/>
+              <a:buChar char="•"/>
+              <a:defRPr sz="1400" kern="1200" cap="none">
+                <a:solidFill>
+                  <a:schemeClr val="tx1"/>
+                </a:solidFill>
+                <a:effectLst/>
+                <a:latin typeface="+mn-lt"/>
+                <a:ea typeface="+mn-ea"/>
+                <a:cs typeface="+mn-cs"/>
+              </a:defRPr>
+            </a:lvl8pPr>
+            <a:lvl9pPr marL="3886200" indent="-228600" algn="l" defTabSz="457200" rtl="0" eaLnBrk="1" latinLnBrk="0" hangingPunct="1">
+              <a:spcBef>
+                <a:spcPct val="20000"/>
+              </a:spcBef>
+              <a:spcAft>
+                <a:spcPts val="600"/>
+              </a:spcAft>
+              <a:buClr>
+                <a:schemeClr val="accent1">
+                  <a:lumMod val="75000"/>
+                </a:schemeClr>
+              </a:buClr>
+              <a:buSzPct val="145000"/>
+              <a:buFont typeface="Arial"/>
+              <a:buChar char="•"/>
+              <a:defRPr sz="1400" kern="1200" cap="none">
+                <a:solidFill>
+                  <a:schemeClr val="tx1"/>
+                </a:solidFill>
+                <a:effectLst/>
+                <a:latin typeface="+mn-lt"/>
+                <a:ea typeface="+mn-ea"/>
+                <a:cs typeface="+mn-cs"/>
+              </a:defRPr>
+            </a:lvl9pPr>
+          </a:lstStyle>
+          <a:p>
+            <a:pPr marL="0" indent="0">
+              <a:buNone/>
+            </a:pPr>
+            <a:r>
+              <a:rPr lang="en-GB" dirty="0">
+                <a:latin typeface="Abadi" panose="020B0604020104020204" pitchFamily="34" charset="0"/>
+              </a:rPr>
+              <a:t>Etc….</a:t>
             </a:r>
           </a:p>
         </p:txBody>
@@ -11932,7 +12284,7 @@
         <p:spPr>
           <a:xfrm>
             <a:off x="2671272" y="1866899"/>
-            <a:ext cx="10018713" cy="3124201"/>
+            <a:ext cx="3052195" cy="3124201"/>
           </a:xfrm>
           <a:prstGeom prst="rect">
             <a:avLst/>
@@ -11940,7 +12292,7 @@
         </p:spPr>
         <p:txBody>
           <a:bodyPr vert="horz" lIns="91440" tIns="45720" rIns="91440" bIns="45720" rtlCol="0" anchor="ctr">
-            <a:normAutofit/>
+            <a:normAutofit fontScale="85000" lnSpcReduction="10000"/>
           </a:bodyPr>
           <a:lstStyle>
             <a:lvl1pPr marL="285750" indent="-285750" algn="l" defTabSz="457200" rtl="0" eaLnBrk="1" latinLnBrk="0" hangingPunct="1">
@@ -12170,15 +12522,58 @@
             </a:lvl9pPr>
           </a:lstStyle>
           <a:p>
+            <a:endParaRPr lang="en-GB" dirty="0">
+              <a:latin typeface="Abadi" panose="020B0604020104020204" pitchFamily="34" charset="0"/>
+            </a:endParaRPr>
+          </a:p>
+          <a:p>
             <a:r>
               <a:rPr lang="en-GB" dirty="0">
                 <a:latin typeface="Abadi" panose="020B0604020104020204" pitchFamily="34" charset="0"/>
               </a:rPr>
-              <a:t>Hades, I have no clue how this works, please fill this in!</a:t>
-            </a:r>
-          </a:p>
-        </p:txBody>
-      </p:sp>
+              <a:t>Regularly incrementing the camera x position  and then writing it to the $2005 address</a:t>
+            </a:r>
+          </a:p>
+          <a:p>
+            <a:r>
+              <a:rPr lang="en-GB" dirty="0">
+                <a:latin typeface="Abadi" panose="020B0604020104020204" pitchFamily="34" charset="0"/>
+              </a:rPr>
+              <a:t>Last thing before rendering as $2006 writes can override relevant parts of memory</a:t>
+            </a:r>
+          </a:p>
+        </p:txBody>
+      </p:sp>
+      <p:pic>
+        <p:nvPicPr>
+          <p:cNvPr id="5" name="Picture 4">
+            <a:extLst>
+              <a:ext uri="{FF2B5EF4-FFF2-40B4-BE49-F238E27FC236}">
+                <a16:creationId xmlns:a16="http://schemas.microsoft.com/office/drawing/2014/main" id="{A54C8099-3463-0A02-5875-21267599D153}"/>
+              </a:ext>
+            </a:extLst>
+          </p:cNvPr>
+          <p:cNvPicPr>
+            <a:picLocks noChangeAspect="1"/>
+          </p:cNvPicPr>
+          <p:nvPr/>
+        </p:nvPicPr>
+        <p:blipFill>
+          <a:blip r:embed="rId3"/>
+          <a:stretch>
+            <a:fillRect/>
+          </a:stretch>
+        </p:blipFill>
+        <p:spPr>
+          <a:xfrm>
+            <a:off x="6468535" y="2303907"/>
+            <a:ext cx="3657788" cy="3283119"/>
+          </a:xfrm>
+          <a:prstGeom prst="rect">
+            <a:avLst/>
+          </a:prstGeom>
+        </p:spPr>
+      </p:pic>
     </p:spTree>
     <p:extLst>
       <p:ext uri="{BB962C8B-B14F-4D97-AF65-F5344CB8AC3E}">

--- a/Resources/NESDinoGame.pptx
+++ b/Resources/NESDinoGame.pptx
@@ -631,7 +631,37 @@
           <a:bodyPr/>
           <a:lstStyle/>
           <a:p>
+            <a:r>
+              <a:rPr lang="en-GB" dirty="0"/>
+              <a:t>The seed is calculated by the time it takes from startup of the game to pressing the jump </a:t>
+            </a:r>
+          </a:p>
+          <a:p>
+            <a:r>
+              <a:rPr lang="en-GB" dirty="0"/>
+              <a:t>The rand function concept is called Linear-Feedback- Shift Register</a:t>
+            </a:r>
+          </a:p>
+          <a:p>
+            <a:r>
+              <a:rPr lang="en-GB" dirty="0"/>
+              <a:t>It return 2 8-bit numbers</a:t>
+            </a:r>
+          </a:p>
+          <a:p>
+            <a:r>
+              <a:rPr lang="en-GB" dirty="0"/>
+              <a:t>One returns in the A register the other in Y register</a:t>
+            </a:r>
+          </a:p>
+          <a:p>
             <a:endParaRPr lang="en-GB" dirty="0"/>
+          </a:p>
+          <a:p>
+            <a:r>
+              <a:rPr lang="en-GB" dirty="0"/>
+              <a:t>It’s basically the randomization from in the book</a:t>
+            </a:r>
           </a:p>
         </p:txBody>
       </p:sp>
@@ -739,7 +769,22 @@
           <a:bodyPr/>
           <a:lstStyle/>
           <a:p>
-            <a:endParaRPr lang="en-GB" dirty="0"/>
+            <a:r>
+              <a:rPr lang="en-GB" dirty="0"/>
+              <a:t>If the lowest bit only is set a bird spawns</a:t>
+            </a:r>
+          </a:p>
+          <a:p>
+            <a:r>
+              <a:rPr lang="en-GB" dirty="0"/>
+              <a:t>If the second bit only is set 2 cacti spawn</a:t>
+            </a:r>
+          </a:p>
+          <a:p>
+            <a:r>
+              <a:rPr lang="en-GB" dirty="0"/>
+              <a:t>and if both bits or no bits are set a single cacti spawn</a:t>
+            </a:r>
           </a:p>
         </p:txBody>
       </p:sp>
@@ -8174,16 +8219,10 @@
               <a:buChar char="-"/>
             </a:pPr>
             <a:r>
-              <a:rPr lang="en-GB" dirty="0" err="1">
-                <a:latin typeface="Abadi" panose="020B0604020104020204" pitchFamily="34" charset="0"/>
-              </a:rPr>
-              <a:t>Yenzo</a:t>
-            </a:r>
-            <a:r>
               <a:rPr lang="en-GB" dirty="0">
                 <a:latin typeface="Abadi" panose="020B0604020104020204" pitchFamily="34" charset="0"/>
               </a:rPr>
-              <a:t> Devos)</a:t>
+              <a:t>Yenzo Devos</a:t>
             </a:r>
             <a:endParaRPr lang="nl-BE" dirty="0">
               <a:latin typeface="Abadi" panose="020B0604020104020204" pitchFamily="34" charset="0"/>
@@ -9278,11 +9317,95 @@
               <a:rPr lang="en-GB" dirty="0">
                 <a:latin typeface="Abadi" panose="020B0604020104020204" pitchFamily="34" charset="0"/>
               </a:rPr>
-              <a:t>YENZO (Explain how you did the random generation here)</a:t>
-            </a:r>
-          </a:p>
-        </p:txBody>
-      </p:sp>
+              <a:t>Seed calculated by starting game</a:t>
+            </a:r>
+          </a:p>
+          <a:p>
+            <a:r>
+              <a:rPr lang="en-GB" dirty="0">
+                <a:latin typeface="Abadi" panose="020B0604020104020204" pitchFamily="34" charset="0"/>
+              </a:rPr>
+              <a:t>Return 2 8bit-numbers</a:t>
+            </a:r>
+          </a:p>
+          <a:p>
+            <a:r>
+              <a:rPr lang="en-GB" dirty="0">
+                <a:latin typeface="Abadi" panose="020B0604020104020204" pitchFamily="34" charset="0"/>
+              </a:rPr>
+              <a:t>1 in A register</a:t>
+            </a:r>
+          </a:p>
+          <a:p>
+            <a:r>
+              <a:rPr lang="en-GB" dirty="0">
+                <a:latin typeface="Abadi" panose="020B0604020104020204" pitchFamily="34" charset="0"/>
+              </a:rPr>
+              <a:t>1 in Y register</a:t>
+            </a:r>
+          </a:p>
+        </p:txBody>
+      </p:sp>
+      <p:pic>
+        <p:nvPicPr>
+          <p:cNvPr id="7" name="Picture 6">
+            <a:extLst>
+              <a:ext uri="{FF2B5EF4-FFF2-40B4-BE49-F238E27FC236}">
+                <a16:creationId xmlns:a16="http://schemas.microsoft.com/office/drawing/2014/main" id="{00B57F45-9EC6-5350-363A-330B9FE8492B}"/>
+              </a:ext>
+            </a:extLst>
+          </p:cNvPr>
+          <p:cNvPicPr>
+            <a:picLocks noChangeAspect="1"/>
+          </p:cNvPicPr>
+          <p:nvPr/>
+        </p:nvPicPr>
+        <p:blipFill>
+          <a:blip r:embed="rId3"/>
+          <a:stretch>
+            <a:fillRect/>
+          </a:stretch>
+        </p:blipFill>
+        <p:spPr>
+          <a:xfrm>
+            <a:off x="7631848" y="3487758"/>
+            <a:ext cx="1773431" cy="2684441"/>
+          </a:xfrm>
+          <a:prstGeom prst="rect">
+            <a:avLst/>
+          </a:prstGeom>
+        </p:spPr>
+      </p:pic>
+      <p:pic>
+        <p:nvPicPr>
+          <p:cNvPr id="9" name="Picture 8">
+            <a:extLst>
+              <a:ext uri="{FF2B5EF4-FFF2-40B4-BE49-F238E27FC236}">
+                <a16:creationId xmlns:a16="http://schemas.microsoft.com/office/drawing/2014/main" id="{BACC42D3-06EF-331A-5DD2-9B79DB9E83B9}"/>
+              </a:ext>
+            </a:extLst>
+          </p:cNvPr>
+          <p:cNvPicPr>
+            <a:picLocks noChangeAspect="1"/>
+          </p:cNvPicPr>
+          <p:nvPr/>
+        </p:nvPicPr>
+        <p:blipFill>
+          <a:blip r:embed="rId4"/>
+          <a:stretch>
+            <a:fillRect/>
+          </a:stretch>
+        </p:blipFill>
+        <p:spPr>
+          <a:xfrm>
+            <a:off x="9945596" y="419253"/>
+            <a:ext cx="1557427" cy="5752947"/>
+          </a:xfrm>
+          <a:prstGeom prst="rect">
+            <a:avLst/>
+          </a:prstGeom>
+        </p:spPr>
+      </p:pic>
     </p:spTree>
     <p:extLst>
       <p:ext uri="{BB962C8B-B14F-4D97-AF65-F5344CB8AC3E}">
@@ -9611,11 +9734,49 @@
               <a:rPr lang="en-GB" dirty="0">
                 <a:latin typeface="Abadi" panose="020B0604020104020204" pitchFamily="34" charset="0"/>
               </a:rPr>
-              <a:t>YENZO (How did you use the random to choose obstacles?)</a:t>
-            </a:r>
-          </a:p>
-        </p:txBody>
-      </p:sp>
+              <a:t>Checks the 2 lowest bits</a:t>
+            </a:r>
+          </a:p>
+          <a:p>
+            <a:r>
+              <a:rPr lang="en-GB" dirty="0">
+                <a:latin typeface="Abadi" panose="020B0604020104020204" pitchFamily="34" charset="0"/>
+              </a:rPr>
+              <a:t>Spawn type of enemy in afterwards</a:t>
+            </a:r>
+          </a:p>
+        </p:txBody>
+      </p:sp>
+      <p:pic>
+        <p:nvPicPr>
+          <p:cNvPr id="5" name="Picture 4">
+            <a:extLst>
+              <a:ext uri="{FF2B5EF4-FFF2-40B4-BE49-F238E27FC236}">
+                <a16:creationId xmlns:a16="http://schemas.microsoft.com/office/drawing/2014/main" id="{C6FD841E-C179-F2AE-0B37-01B9172DA39A}"/>
+              </a:ext>
+            </a:extLst>
+          </p:cNvPr>
+          <p:cNvPicPr>
+            <a:picLocks noChangeAspect="1"/>
+          </p:cNvPicPr>
+          <p:nvPr/>
+        </p:nvPicPr>
+        <p:blipFill>
+          <a:blip r:embed="rId3"/>
+          <a:stretch>
+            <a:fillRect/>
+          </a:stretch>
+        </p:blipFill>
+        <p:spPr>
+          <a:xfrm>
+            <a:off x="8893036" y="685800"/>
+            <a:ext cx="2581635" cy="5163271"/>
+          </a:xfrm>
+          <a:prstGeom prst="rect">
+            <a:avLst/>
+          </a:prstGeom>
+        </p:spPr>
+      </p:pic>
     </p:spTree>
     <p:extLst>
       <p:ext uri="{BB962C8B-B14F-4D97-AF65-F5344CB8AC3E}">
